--- a/PowerPoints/Module_4/String_StringBuffer_StringBuilder.pptx
+++ b/PowerPoints/Module_4/String_StringBuffer_StringBuilder.pptx
@@ -300,7 +300,7 @@
             <a:fld id="{1D8BD707-D9CF-40AE-B4C6-C98DA3205C09}" type="datetimeFigureOut">
               <a:rPr lang="en-US" smtClean="0"/>
               <a:pPr/>
-              <a:t>7/23/2022</a:t>
+              <a:t>7/24/2022</a:t>
             </a:fld>
             <a:endParaRPr lang="en-US"/>
           </a:p>
@@ -467,7 +467,7 @@
             <a:fld id="{1D8BD707-D9CF-40AE-B4C6-C98DA3205C09}" type="datetimeFigureOut">
               <a:rPr lang="en-US" smtClean="0"/>
               <a:pPr/>
-              <a:t>7/23/2022</a:t>
+              <a:t>7/24/2022</a:t>
             </a:fld>
             <a:endParaRPr lang="en-US"/>
           </a:p>
@@ -644,7 +644,7 @@
             <a:fld id="{1D8BD707-D9CF-40AE-B4C6-C98DA3205C09}" type="datetimeFigureOut">
               <a:rPr lang="en-US" smtClean="0"/>
               <a:pPr/>
-              <a:t>7/23/2022</a:t>
+              <a:t>7/24/2022</a:t>
             </a:fld>
             <a:endParaRPr lang="en-US"/>
           </a:p>
@@ -811,7 +811,7 @@
             <a:fld id="{1D8BD707-D9CF-40AE-B4C6-C98DA3205C09}" type="datetimeFigureOut">
               <a:rPr lang="en-US" smtClean="0"/>
               <a:pPr/>
-              <a:t>7/23/2022</a:t>
+              <a:t>7/24/2022</a:t>
             </a:fld>
             <a:endParaRPr lang="en-US"/>
           </a:p>
@@ -1054,7 +1054,7 @@
             <a:fld id="{1D8BD707-D9CF-40AE-B4C6-C98DA3205C09}" type="datetimeFigureOut">
               <a:rPr lang="en-US" smtClean="0"/>
               <a:pPr/>
-              <a:t>7/23/2022</a:t>
+              <a:t>7/24/2022</a:t>
             </a:fld>
             <a:endParaRPr lang="en-US"/>
           </a:p>
@@ -1339,7 +1339,7 @@
             <a:fld id="{1D8BD707-D9CF-40AE-B4C6-C98DA3205C09}" type="datetimeFigureOut">
               <a:rPr lang="en-US" smtClean="0"/>
               <a:pPr/>
-              <a:t>7/23/2022</a:t>
+              <a:t>7/24/2022</a:t>
             </a:fld>
             <a:endParaRPr lang="en-US"/>
           </a:p>
@@ -1758,7 +1758,7 @@
             <a:fld id="{1D8BD707-D9CF-40AE-B4C6-C98DA3205C09}" type="datetimeFigureOut">
               <a:rPr lang="en-US" smtClean="0"/>
               <a:pPr/>
-              <a:t>7/23/2022</a:t>
+              <a:t>7/24/2022</a:t>
             </a:fld>
             <a:endParaRPr lang="en-US"/>
           </a:p>
@@ -1873,7 +1873,7 @@
             <a:fld id="{1D8BD707-D9CF-40AE-B4C6-C98DA3205C09}" type="datetimeFigureOut">
               <a:rPr lang="en-US" smtClean="0"/>
               <a:pPr/>
-              <a:t>7/23/2022</a:t>
+              <a:t>7/24/2022</a:t>
             </a:fld>
             <a:endParaRPr lang="en-US"/>
           </a:p>
@@ -1965,7 +1965,7 @@
             <a:fld id="{1D8BD707-D9CF-40AE-B4C6-C98DA3205C09}" type="datetimeFigureOut">
               <a:rPr lang="en-US" smtClean="0"/>
               <a:pPr/>
-              <a:t>7/23/2022</a:t>
+              <a:t>7/24/2022</a:t>
             </a:fld>
             <a:endParaRPr lang="en-US"/>
           </a:p>
@@ -2239,7 +2239,7 @@
             <a:fld id="{1D8BD707-D9CF-40AE-B4C6-C98DA3205C09}" type="datetimeFigureOut">
               <a:rPr lang="en-US" smtClean="0"/>
               <a:pPr/>
-              <a:t>7/23/2022</a:t>
+              <a:t>7/24/2022</a:t>
             </a:fld>
             <a:endParaRPr lang="en-US"/>
           </a:p>
@@ -2489,7 +2489,7 @@
             <a:fld id="{1D8BD707-D9CF-40AE-B4C6-C98DA3205C09}" type="datetimeFigureOut">
               <a:rPr lang="en-US" smtClean="0"/>
               <a:pPr/>
-              <a:t>7/23/2022</a:t>
+              <a:t>7/24/2022</a:t>
             </a:fld>
             <a:endParaRPr lang="en-US"/>
           </a:p>
@@ -2699,7 +2699,7 @@
             <a:fld id="{1D8BD707-D9CF-40AE-B4C6-C98DA3205C09}" type="datetimeFigureOut">
               <a:rPr lang="en-US" smtClean="0"/>
               <a:pPr/>
-              <a:t>7/23/2022</a:t>
+              <a:t>7/24/2022</a:t>
             </a:fld>
             <a:endParaRPr lang="en-US"/>
           </a:p>
@@ -3116,7 +3116,7 @@
           <a:p>
             <a:r>
               <a:rPr lang="en-US" dirty="0" smtClean="0"/>
-              <a:t>The </a:t>
+              <a:t>*The </a:t>
             </a:r>
             <a:r>
               <a:rPr lang="en-US" dirty="0" err="1" smtClean="0"/>
@@ -3232,11 +3232,7 @@
             </a:r>
             <a:r>
               <a:rPr lang="en-US" dirty="0" smtClean="0"/>
-              <a:t> </a:t>
-            </a:r>
-            <a:r>
-              <a:rPr lang="en-US" dirty="0" smtClean="0"/>
-              <a:t>s = </a:t>
+              <a:t> s = </a:t>
             </a:r>
             <a:r>
               <a:rPr lang="en-US" b="1" dirty="0" smtClean="0"/>
@@ -3250,7 +3246,6 @@
               <a:rPr lang="en-US" dirty="0" smtClean="0"/>
               <a:t>();</a:t>
             </a:r>
-            <a:endParaRPr lang="en-US" dirty="0" smtClean="0"/>
           </a:p>
           <a:p>
             <a:r>
@@ -3259,11 +3254,7 @@
             </a:r>
             <a:r>
               <a:rPr lang="en-US" dirty="0" smtClean="0"/>
-              <a:t> </a:t>
-            </a:r>
-            <a:r>
-              <a:rPr lang="en-US" dirty="0" smtClean="0"/>
-              <a:t>s = </a:t>
+              <a:t> s = </a:t>
             </a:r>
             <a:r>
               <a:rPr lang="en-US" b="1" dirty="0" smtClean="0"/>
@@ -3275,11 +3266,7 @@
             </a:r>
             <a:r>
               <a:rPr lang="en-US" dirty="0" smtClean="0"/>
-              <a:t>(20</a:t>
-            </a:r>
-            <a:r>
-              <a:rPr lang="en-US" dirty="0" smtClean="0"/>
-              <a:t>);//Set a buffer of 20</a:t>
+              <a:t>(20);//Set a buffer of 20</a:t>
             </a:r>
           </a:p>
           <a:p>
@@ -4343,21 +4330,17 @@
             </a:r>
             <a:r>
               <a:rPr lang="en-US" dirty="0" smtClean="0"/>
-              <a:t> class is used to create mutable (modifiable) String </a:t>
-            </a:r>
-            <a:r>
-              <a:rPr lang="en-US" dirty="0" smtClean="0"/>
-              <a:t>objects</a:t>
-            </a:r>
-          </a:p>
-          <a:p>
-            <a:r>
-              <a:rPr lang="en-US" dirty="0" smtClean="0"/>
-              <a:t>String buffers are safe for use by multiple </a:t>
-            </a:r>
-            <a:r>
-              <a:rPr lang="en-US" dirty="0" smtClean="0"/>
-              <a:t>threads(Synchronized)</a:t>
+              <a:t> class is used to create mutable (modifiable) String objects</a:t>
+            </a:r>
+          </a:p>
+          <a:p>
+            <a:r>
+              <a:rPr lang="en-US" dirty="0" smtClean="0"/>
+              <a:t>*String </a:t>
+            </a:r>
+            <a:r>
+              <a:rPr lang="en-US" dirty="0" smtClean="0"/>
+              <a:t>buffers are safe for use by multiple threads(Synchronized)</a:t>
             </a:r>
           </a:p>
           <a:p>
@@ -4367,15 +4350,7 @@
             </a:r>
             <a:r>
               <a:rPr lang="en-US" dirty="0" smtClean="0"/>
-              <a:t> </a:t>
-            </a:r>
-            <a:r>
-              <a:rPr lang="en-US" dirty="0" smtClean="0"/>
-              <a:t>extends (or inherits from) object </a:t>
-            </a:r>
-            <a:r>
-              <a:rPr lang="en-US" dirty="0" smtClean="0"/>
-              <a:t>class</a:t>
+              <a:t> extends (or inherits from) object class</a:t>
             </a:r>
           </a:p>
           <a:p>
@@ -4568,6 +4543,10 @@
           <a:lstStyle/>
           <a:p>
             <a:r>
+              <a:rPr lang="en-US" dirty="0" smtClean="0"/>
+              <a:t>*</a:t>
+            </a:r>
+            <a:r>
               <a:rPr lang="en-US" dirty="0" err="1" smtClean="0"/>
               <a:t>java.lang.StringBuilder</a:t>
             </a:r>
@@ -4583,23 +4562,15 @@
           <a:p>
             <a:r>
               <a:rPr lang="en-US" dirty="0" smtClean="0"/>
-              <a:t>String buffers are </a:t>
-            </a:r>
-            <a:r>
-              <a:rPr lang="en-US" dirty="0" smtClean="0"/>
-              <a:t>not </a:t>
-            </a:r>
-            <a:r>
-              <a:rPr lang="en-US" dirty="0" smtClean="0"/>
-              <a:t>safe </a:t>
-            </a:r>
-            <a:r>
-              <a:rPr lang="en-US" dirty="0" smtClean="0"/>
-              <a:t>for use by multiple </a:t>
-            </a:r>
-            <a:r>
-              <a:rPr lang="en-US" dirty="0" smtClean="0"/>
-              <a:t>threads(Not synchronized)</a:t>
+              <a:t>String </a:t>
+            </a:r>
+            <a:r>
+              <a:rPr lang="en-US" dirty="0" smtClean="0"/>
+              <a:t>builder </a:t>
+            </a:r>
+            <a:r>
+              <a:rPr lang="en-US" dirty="0" smtClean="0"/>
+              <a:t>are not safe for use by multiple threads(Not synchronized)</a:t>
             </a:r>
           </a:p>
           <a:p>
